--- a/VMA_IT_SUPPORT_INVTEK.pptx
+++ b/VMA_IT_SUPPORT_INVTEK.pptx
@@ -6,6 +6,10 @@
   </p:sldMasterIdLst>
   <p:sldIdLst>
     <p:sldId id="256" r:id="rId2"/>
+    <p:sldId id="257" r:id="rId3"/>
+    <p:sldId id="258" r:id="rId4"/>
+    <p:sldId id="259" r:id="rId5"/>
+    <p:sldId id="260" r:id="rId6"/>
   </p:sldIdLst>
   <p:sldSz cx="12192000" cy="6858000"/>
   <p:notesSz cx="6858000" cy="9144000"/>
@@ -104,6 +108,11 @@
       </a:defRPr>
     </a:lvl9pPr>
   </p:defaultTextStyle>
+  <p:extLst>
+    <p:ext uri="{EFAFB233-063F-42B5-8137-9DF3F51BA10A}">
+      <p15:sldGuideLst xmlns:p15="http://schemas.microsoft.com/office/powerpoint/2012/main"/>
+    </p:ext>
+  </p:extLst>
 </p:presentation>
 </file>
 
@@ -111,8 +120,8 @@
 <pc:chgInfo xmlns:a="http://schemas.openxmlformats.org/drawingml/2006/main" xmlns:r="http://schemas.openxmlformats.org/officeDocument/2006/relationships" xmlns:ac="http://schemas.microsoft.com/office/drawing/2013/main/command" xmlns:pc="http://schemas.microsoft.com/office/powerpoint/2013/main/command">
   <pc:docChgLst>
     <pc:chgData name="Vicente Cueva" userId="94933151-ec04-40a5-b8fc-e71eeddfb102" providerId="ADAL" clId="{8B408B54-8157-403B-85BC-4C3940DD0AB8}"/>
-    <pc:docChg chg="custSel modSld">
-      <pc:chgData name="Vicente Cueva" userId="94933151-ec04-40a5-b8fc-e71eeddfb102" providerId="ADAL" clId="{8B408B54-8157-403B-85BC-4C3940DD0AB8}" dt="2025-06-12T22:19:05.484" v="4" actId="171"/>
+    <pc:docChg chg="undo custSel addSld modSld">
+      <pc:chgData name="Vicente Cueva" userId="94933151-ec04-40a5-b8fc-e71eeddfb102" providerId="ADAL" clId="{8B408B54-8157-403B-85BC-4C3940DD0AB8}" dt="2025-06-17T19:38:08.121" v="1314" actId="20577"/>
       <pc:docMkLst>
         <pc:docMk/>
       </pc:docMkLst>
@@ -122,20 +131,152 @@
           <pc:docMk/>
           <pc:sldMk cId="2268148545" sldId="256"/>
         </pc:sldMkLst>
-        <pc:picChg chg="del">
-          <ac:chgData name="Vicente Cueva" userId="94933151-ec04-40a5-b8fc-e71eeddfb102" providerId="ADAL" clId="{8B408B54-8157-403B-85BC-4C3940DD0AB8}" dt="2025-06-12T22:18:40.802" v="1" actId="478"/>
-          <ac:picMkLst>
-            <pc:docMk/>
-            <pc:sldMk cId="2268148545" sldId="256"/>
-            <ac:picMk id="14" creationId="{AA340F31-9165-00BE-A1B9-4AB41D38C45B}"/>
-          </ac:picMkLst>
-        </pc:picChg>
         <pc:picChg chg="add mod ord">
           <ac:chgData name="Vicente Cueva" userId="94933151-ec04-40a5-b8fc-e71eeddfb102" providerId="ADAL" clId="{8B408B54-8157-403B-85BC-4C3940DD0AB8}" dt="2025-06-12T22:19:05.484" v="4" actId="171"/>
           <ac:picMkLst>
             <pc:docMk/>
             <pc:sldMk cId="2268148545" sldId="256"/>
             <ac:picMk id="23" creationId="{688805CA-C155-69B3-35DF-6E7ADAAE26BB}"/>
+          </ac:picMkLst>
+        </pc:picChg>
+      </pc:sldChg>
+      <pc:sldChg chg="addSp modSp new mod">
+        <pc:chgData name="Vicente Cueva" userId="94933151-ec04-40a5-b8fc-e71eeddfb102" providerId="ADAL" clId="{8B408B54-8157-403B-85BC-4C3940DD0AB8}" dt="2025-06-17T17:48:43.464" v="27" actId="1036"/>
+        <pc:sldMkLst>
+          <pc:docMk/>
+          <pc:sldMk cId="3871070821" sldId="257"/>
+        </pc:sldMkLst>
+        <pc:spChg chg="add mod">
+          <ac:chgData name="Vicente Cueva" userId="94933151-ec04-40a5-b8fc-e71eeddfb102" providerId="ADAL" clId="{8B408B54-8157-403B-85BC-4C3940DD0AB8}" dt="2025-06-17T17:48:12.722" v="12" actId="1076"/>
+          <ac:spMkLst>
+            <pc:docMk/>
+            <pc:sldMk cId="3871070821" sldId="257"/>
+            <ac:spMk id="4" creationId="{104BB5D5-2FEA-EC95-93CA-2F0476F41636}"/>
+          </ac:spMkLst>
+        </pc:spChg>
+        <pc:spChg chg="add mod">
+          <ac:chgData name="Vicente Cueva" userId="94933151-ec04-40a5-b8fc-e71eeddfb102" providerId="ADAL" clId="{8B408B54-8157-403B-85BC-4C3940DD0AB8}" dt="2025-06-17T17:48:43.464" v="27" actId="1036"/>
+          <ac:spMkLst>
+            <pc:docMk/>
+            <pc:sldMk cId="3871070821" sldId="257"/>
+            <ac:spMk id="5" creationId="{C698E25B-1A59-1D46-2336-D9E802FCCF2B}"/>
+          </ac:spMkLst>
+        </pc:spChg>
+        <pc:picChg chg="add mod">
+          <ac:chgData name="Vicente Cueva" userId="94933151-ec04-40a5-b8fc-e71eeddfb102" providerId="ADAL" clId="{8B408B54-8157-403B-85BC-4C3940DD0AB8}" dt="2025-06-17T17:47:20.280" v="7" actId="1076"/>
+          <ac:picMkLst>
+            <pc:docMk/>
+            <pc:sldMk cId="3871070821" sldId="257"/>
+            <ac:picMk id="2" creationId="{5D6565EC-9331-7F90-5F49-BF0C7725CD0D}"/>
+          </ac:picMkLst>
+        </pc:picChg>
+      </pc:sldChg>
+      <pc:sldChg chg="addSp delSp modSp new mod">
+        <pc:chgData name="Vicente Cueva" userId="94933151-ec04-40a5-b8fc-e71eeddfb102" providerId="ADAL" clId="{8B408B54-8157-403B-85BC-4C3940DD0AB8}" dt="2025-06-17T18:45:27.726" v="41" actId="21"/>
+        <pc:sldMkLst>
+          <pc:docMk/>
+          <pc:sldMk cId="4142027037" sldId="258"/>
+        </pc:sldMkLst>
+        <pc:spChg chg="add del mod">
+          <ac:chgData name="Vicente Cueva" userId="94933151-ec04-40a5-b8fc-e71eeddfb102" providerId="ADAL" clId="{8B408B54-8157-403B-85BC-4C3940DD0AB8}" dt="2025-06-17T18:45:27.726" v="41" actId="21"/>
+          <ac:spMkLst>
+            <pc:docMk/>
+            <pc:sldMk cId="4142027037" sldId="258"/>
+            <ac:spMk id="9" creationId="{46672427-5B05-3C37-B7C4-635130203CF8}"/>
+          </ac:spMkLst>
+        </pc:spChg>
+        <pc:picChg chg="add del mod">
+          <ac:chgData name="Vicente Cueva" userId="94933151-ec04-40a5-b8fc-e71eeddfb102" providerId="ADAL" clId="{8B408B54-8157-403B-85BC-4C3940DD0AB8}" dt="2025-06-17T18:39:26.583" v="31" actId="478"/>
+          <ac:picMkLst>
+            <pc:docMk/>
+            <pc:sldMk cId="4142027037" sldId="258"/>
+            <ac:picMk id="3" creationId="{E765319A-43D0-5464-C28E-B89F32202322}"/>
+          </ac:picMkLst>
+        </pc:picChg>
+        <pc:picChg chg="add mod">
+          <ac:chgData name="Vicente Cueva" userId="94933151-ec04-40a5-b8fc-e71eeddfb102" providerId="ADAL" clId="{8B408B54-8157-403B-85BC-4C3940DD0AB8}" dt="2025-06-17T18:39:30.958" v="33" actId="1076"/>
+          <ac:picMkLst>
+            <pc:docMk/>
+            <pc:sldMk cId="4142027037" sldId="258"/>
+            <ac:picMk id="5" creationId="{D7BC4FA9-0663-B1EE-F441-19B9995ADF34}"/>
+          </ac:picMkLst>
+        </pc:picChg>
+        <pc:picChg chg="add mod">
+          <ac:chgData name="Vicente Cueva" userId="94933151-ec04-40a5-b8fc-e71eeddfb102" providerId="ADAL" clId="{8B408B54-8157-403B-85BC-4C3940DD0AB8}" dt="2025-06-17T18:40:07.227" v="35" actId="1076"/>
+          <ac:picMkLst>
+            <pc:docMk/>
+            <pc:sldMk cId="4142027037" sldId="258"/>
+            <ac:picMk id="7" creationId="{BD5D525B-4FC5-B67F-A4D8-31CE240AD698}"/>
+          </ac:picMkLst>
+        </pc:picChg>
+      </pc:sldChg>
+      <pc:sldChg chg="addSp delSp modSp new mod">
+        <pc:chgData name="Vicente Cueva" userId="94933151-ec04-40a5-b8fc-e71eeddfb102" providerId="ADAL" clId="{8B408B54-8157-403B-85BC-4C3940DD0AB8}" dt="2025-06-17T19:38:08.121" v="1314" actId="20577"/>
+        <pc:sldMkLst>
+          <pc:docMk/>
+          <pc:sldMk cId="2441289921" sldId="259"/>
+        </pc:sldMkLst>
+        <pc:spChg chg="add mod">
+          <ac:chgData name="Vicente Cueva" userId="94933151-ec04-40a5-b8fc-e71eeddfb102" providerId="ADAL" clId="{8B408B54-8157-403B-85BC-4C3940DD0AB8}" dt="2025-06-17T19:30:59.912" v="1264" actId="6549"/>
+          <ac:spMkLst>
+            <pc:docMk/>
+            <pc:sldMk cId="2441289921" sldId="259"/>
+            <ac:spMk id="2" creationId="{B17FE258-94CB-3FA9-07AE-54830F14E90F}"/>
+          </ac:spMkLst>
+        </pc:spChg>
+        <pc:spChg chg="add">
+          <ac:chgData name="Vicente Cueva" userId="94933151-ec04-40a5-b8fc-e71eeddfb102" providerId="ADAL" clId="{8B408B54-8157-403B-85BC-4C3940DD0AB8}" dt="2025-06-17T19:31:53.104" v="1265"/>
+          <ac:spMkLst>
+            <pc:docMk/>
+            <pc:sldMk cId="2441289921" sldId="259"/>
+            <ac:spMk id="3" creationId="{2DC4A89F-8EC5-94B0-521D-E2704542EDDA}"/>
+          </ac:spMkLst>
+        </pc:spChg>
+        <pc:spChg chg="add mod">
+          <ac:chgData name="Vicente Cueva" userId="94933151-ec04-40a5-b8fc-e71eeddfb102" providerId="ADAL" clId="{8B408B54-8157-403B-85BC-4C3940DD0AB8}" dt="2025-06-17T19:38:08.121" v="1314" actId="20577"/>
+          <ac:spMkLst>
+            <pc:docMk/>
+            <pc:sldMk cId="2441289921" sldId="259"/>
+            <ac:spMk id="9" creationId="{46672427-5B05-3C37-B7C4-635130203CF8}"/>
+          </ac:spMkLst>
+        </pc:spChg>
+        <pc:picChg chg="add del mod">
+          <ac:chgData name="Vicente Cueva" userId="94933151-ec04-40a5-b8fc-e71eeddfb102" providerId="ADAL" clId="{8B408B54-8157-403B-85BC-4C3940DD0AB8}" dt="2025-06-17T19:34:09.947" v="1272" actId="21"/>
+          <ac:picMkLst>
+            <pc:docMk/>
+            <pc:sldMk cId="2441289921" sldId="259"/>
+            <ac:picMk id="4" creationId="{E7BE5C2F-BF53-1DEC-B4DD-B1391CDA6607}"/>
+          </ac:picMkLst>
+        </pc:picChg>
+        <pc:picChg chg="add del mod">
+          <ac:chgData name="Vicente Cueva" userId="94933151-ec04-40a5-b8fc-e71eeddfb102" providerId="ADAL" clId="{8B408B54-8157-403B-85BC-4C3940DD0AB8}" dt="2025-06-17T19:34:09.947" v="1272" actId="21"/>
+          <ac:picMkLst>
+            <pc:docMk/>
+            <pc:sldMk cId="2441289921" sldId="259"/>
+            <ac:picMk id="1028" creationId="{0624F14B-3F13-3140-E8D2-98ABB0476A06}"/>
+          </ac:picMkLst>
+        </pc:picChg>
+      </pc:sldChg>
+      <pc:sldChg chg="addSp modSp new">
+        <pc:chgData name="Vicente Cueva" userId="94933151-ec04-40a5-b8fc-e71eeddfb102" providerId="ADAL" clId="{8B408B54-8157-403B-85BC-4C3940DD0AB8}" dt="2025-06-17T19:34:12.650" v="1273"/>
+        <pc:sldMkLst>
+          <pc:docMk/>
+          <pc:sldMk cId="2832627748" sldId="260"/>
+        </pc:sldMkLst>
+        <pc:picChg chg="add mod">
+          <ac:chgData name="Vicente Cueva" userId="94933151-ec04-40a5-b8fc-e71eeddfb102" providerId="ADAL" clId="{8B408B54-8157-403B-85BC-4C3940DD0AB8}" dt="2025-06-17T19:34:12.650" v="1273"/>
+          <ac:picMkLst>
+            <pc:docMk/>
+            <pc:sldMk cId="2832627748" sldId="260"/>
+            <ac:picMk id="4" creationId="{E7BE5C2F-BF53-1DEC-B4DD-B1391CDA6607}"/>
+          </ac:picMkLst>
+        </pc:picChg>
+        <pc:picChg chg="add mod">
+          <ac:chgData name="Vicente Cueva" userId="94933151-ec04-40a5-b8fc-e71eeddfb102" providerId="ADAL" clId="{8B408B54-8157-403B-85BC-4C3940DD0AB8}" dt="2025-06-17T19:34:12.650" v="1273"/>
+          <ac:picMkLst>
+            <pc:docMk/>
+            <pc:sldMk cId="2832627748" sldId="260"/>
+            <ac:picMk id="1028" creationId="{0624F14B-3F13-3140-E8D2-98ABB0476A06}"/>
           </ac:picMkLst>
         </pc:picChg>
       </pc:sldChg>
@@ -293,7 +434,7 @@
           <a:p>
             <a:fld id="{57D038EB-2655-46A3-BD28-D663801144BF}" type="datetimeFigureOut">
               <a:rPr lang="es-MX" smtClean="0"/>
-              <a:t>12/06/2025</a:t>
+              <a:t>17/06/2025</a:t>
             </a:fld>
             <a:endParaRPr lang="es-MX"/>
           </a:p>
@@ -493,7 +634,7 @@
           <a:p>
             <a:fld id="{57D038EB-2655-46A3-BD28-D663801144BF}" type="datetimeFigureOut">
               <a:rPr lang="es-MX" smtClean="0"/>
-              <a:t>12/06/2025</a:t>
+              <a:t>17/06/2025</a:t>
             </a:fld>
             <a:endParaRPr lang="es-MX"/>
           </a:p>
@@ -703,7 +844,7 @@
           <a:p>
             <a:fld id="{57D038EB-2655-46A3-BD28-D663801144BF}" type="datetimeFigureOut">
               <a:rPr lang="es-MX" smtClean="0"/>
-              <a:t>12/06/2025</a:t>
+              <a:t>17/06/2025</a:t>
             </a:fld>
             <a:endParaRPr lang="es-MX"/>
           </a:p>
@@ -903,7 +1044,7 @@
           <a:p>
             <a:fld id="{57D038EB-2655-46A3-BD28-D663801144BF}" type="datetimeFigureOut">
               <a:rPr lang="es-MX" smtClean="0"/>
-              <a:t>12/06/2025</a:t>
+              <a:t>17/06/2025</a:t>
             </a:fld>
             <a:endParaRPr lang="es-MX"/>
           </a:p>
@@ -1179,7 +1320,7 @@
           <a:p>
             <a:fld id="{57D038EB-2655-46A3-BD28-D663801144BF}" type="datetimeFigureOut">
               <a:rPr lang="es-MX" smtClean="0"/>
-              <a:t>12/06/2025</a:t>
+              <a:t>17/06/2025</a:t>
             </a:fld>
             <a:endParaRPr lang="es-MX"/>
           </a:p>
@@ -1447,7 +1588,7 @@
           <a:p>
             <a:fld id="{57D038EB-2655-46A3-BD28-D663801144BF}" type="datetimeFigureOut">
               <a:rPr lang="es-MX" smtClean="0"/>
-              <a:t>12/06/2025</a:t>
+              <a:t>17/06/2025</a:t>
             </a:fld>
             <a:endParaRPr lang="es-MX"/>
           </a:p>
@@ -1862,7 +2003,7 @@
           <a:p>
             <a:fld id="{57D038EB-2655-46A3-BD28-D663801144BF}" type="datetimeFigureOut">
               <a:rPr lang="es-MX" smtClean="0"/>
-              <a:t>12/06/2025</a:t>
+              <a:t>17/06/2025</a:t>
             </a:fld>
             <a:endParaRPr lang="es-MX"/>
           </a:p>
@@ -2004,7 +2145,7 @@
           <a:p>
             <a:fld id="{57D038EB-2655-46A3-BD28-D663801144BF}" type="datetimeFigureOut">
               <a:rPr lang="es-MX" smtClean="0"/>
-              <a:t>12/06/2025</a:t>
+              <a:t>17/06/2025</a:t>
             </a:fld>
             <a:endParaRPr lang="es-MX"/>
           </a:p>
@@ -2117,7 +2258,7 @@
           <a:p>
             <a:fld id="{57D038EB-2655-46A3-BD28-D663801144BF}" type="datetimeFigureOut">
               <a:rPr lang="es-MX" smtClean="0"/>
-              <a:t>12/06/2025</a:t>
+              <a:t>17/06/2025</a:t>
             </a:fld>
             <a:endParaRPr lang="es-MX"/>
           </a:p>
@@ -2430,7 +2571,7 @@
           <a:p>
             <a:fld id="{57D038EB-2655-46A3-BD28-D663801144BF}" type="datetimeFigureOut">
               <a:rPr lang="es-MX" smtClean="0"/>
-              <a:t>12/06/2025</a:t>
+              <a:t>17/06/2025</a:t>
             </a:fld>
             <a:endParaRPr lang="es-MX"/>
           </a:p>
@@ -2719,7 +2860,7 @@
           <a:p>
             <a:fld id="{57D038EB-2655-46A3-BD28-D663801144BF}" type="datetimeFigureOut">
               <a:rPr lang="es-MX" smtClean="0"/>
-              <a:t>12/06/2025</a:t>
+              <a:t>17/06/2025</a:t>
             </a:fld>
             <a:endParaRPr lang="es-MX"/>
           </a:p>
@@ -2962,7 +3103,7 @@
           <a:p>
             <a:fld id="{57D038EB-2655-46A3-BD28-D663801144BF}" type="datetimeFigureOut">
               <a:rPr lang="es-MX" smtClean="0"/>
-              <a:t>12/06/2025</a:t>
+              <a:t>17/06/2025</a:t>
             </a:fld>
             <a:endParaRPr lang="es-MX"/>
           </a:p>
@@ -3644,6 +3785,501 @@
 </p:sld>
 </file>
 
+<file path=ppt/slides/slide2.xml><?xml version="1.0" encoding="utf-8"?>
+<p:sld xmlns:a="http://schemas.openxmlformats.org/drawingml/2006/main" xmlns:r="http://schemas.openxmlformats.org/officeDocument/2006/relationships" xmlns:p="http://schemas.openxmlformats.org/presentationml/2006/main">
+  <p:cSld>
+    <p:spTree>
+      <p:nvGrpSpPr>
+        <p:cNvPr id="1" name=""/>
+        <p:cNvGrpSpPr/>
+        <p:nvPr/>
+      </p:nvGrpSpPr>
+      <p:grpSpPr>
+        <a:xfrm>
+          <a:off x="0" y="0"/>
+          <a:ext cx="0" cy="0"/>
+          <a:chOff x="0" y="0"/>
+          <a:chExt cx="0" cy="0"/>
+        </a:xfrm>
+      </p:grpSpPr>
+      <p:pic>
+        <p:nvPicPr>
+          <p:cNvPr id="2" name="Imagen 1">
+            <a:extLst>
+              <a:ext uri="{FF2B5EF4-FFF2-40B4-BE49-F238E27FC236}">
+                <a16:creationId xmlns:a16="http://schemas.microsoft.com/office/drawing/2014/main" id="{5D6565EC-9331-7F90-5F49-BF0C7725CD0D}"/>
+              </a:ext>
+            </a:extLst>
+          </p:cNvPr>
+          <p:cNvPicPr>
+            <a:picLocks noChangeAspect="1"/>
+          </p:cNvPicPr>
+          <p:nvPr/>
+        </p:nvPicPr>
+        <p:blipFill>
+          <a:blip r:embed="rId2"/>
+          <a:stretch>
+            <a:fillRect/>
+          </a:stretch>
+        </p:blipFill>
+        <p:spPr>
+          <a:xfrm>
+            <a:off x="987193" y="765604"/>
+            <a:ext cx="4953635" cy="3695700"/>
+          </a:xfrm>
+          <a:prstGeom prst="rect">
+            <a:avLst/>
+          </a:prstGeom>
+        </p:spPr>
+      </p:pic>
+      <p:sp>
+        <p:nvSpPr>
+          <p:cNvPr id="4" name="CuadroTexto 3">
+            <a:extLst>
+              <a:ext uri="{FF2B5EF4-FFF2-40B4-BE49-F238E27FC236}">
+                <a16:creationId xmlns:a16="http://schemas.microsoft.com/office/drawing/2014/main" id="{104BB5D5-2FEA-EC95-93CA-2F0476F41636}"/>
+              </a:ext>
+            </a:extLst>
+          </p:cNvPr>
+          <p:cNvSpPr txBox="1"/>
+          <p:nvPr/>
+        </p:nvSpPr>
+        <p:spPr>
+          <a:xfrm>
+            <a:off x="2891799" y="2613454"/>
+            <a:ext cx="6098058" cy="276999"/>
+          </a:xfrm>
+          <a:prstGeom prst="rect">
+            <a:avLst/>
+          </a:prstGeom>
+          <a:noFill/>
+        </p:spPr>
+        <p:txBody>
+          <a:bodyPr wrap="square">
+            <a:spAutoFit/>
+          </a:bodyPr>
+          <a:lstStyle/>
+          <a:p>
+            <a:r>
+              <a:rPr lang="es-MX" sz="1200" dirty="0"/>
+              <a:t>Fabricación de las cortinas y los cortineros.</a:t>
+            </a:r>
+          </a:p>
+        </p:txBody>
+      </p:sp>
+      <p:sp>
+        <p:nvSpPr>
+          <p:cNvPr id="5" name="Flecha: a la derecha 4">
+            <a:extLst>
+              <a:ext uri="{FF2B5EF4-FFF2-40B4-BE49-F238E27FC236}">
+                <a16:creationId xmlns:a16="http://schemas.microsoft.com/office/drawing/2014/main" id="{C698E25B-1A59-1D46-2336-D9E802FCCF2B}"/>
+              </a:ext>
+            </a:extLst>
+          </p:cNvPr>
+          <p:cNvSpPr/>
+          <p:nvPr/>
+        </p:nvSpPr>
+        <p:spPr>
+          <a:xfrm>
+            <a:off x="716690" y="2687597"/>
+            <a:ext cx="432487" cy="253314"/>
+          </a:xfrm>
+          <a:prstGeom prst="rightArrow">
+            <a:avLst/>
+          </a:prstGeom>
+        </p:spPr>
+        <p:style>
+          <a:lnRef idx="2">
+            <a:schemeClr val="accent1">
+              <a:shade val="15000"/>
+            </a:schemeClr>
+          </a:lnRef>
+          <a:fillRef idx="1">
+            <a:schemeClr val="accent1"/>
+          </a:fillRef>
+          <a:effectRef idx="0">
+            <a:schemeClr val="accent1"/>
+          </a:effectRef>
+          <a:fontRef idx="minor">
+            <a:schemeClr val="lt1"/>
+          </a:fontRef>
+        </p:style>
+        <p:txBody>
+          <a:bodyPr rtlCol="0" anchor="ctr"/>
+          <a:lstStyle/>
+          <a:p>
+            <a:pPr algn="ctr"/>
+            <a:endParaRPr lang="es-MX"/>
+          </a:p>
+        </p:txBody>
+      </p:sp>
+    </p:spTree>
+    <p:extLst>
+      <p:ext uri="{BB962C8B-B14F-4D97-AF65-F5344CB8AC3E}">
+        <p14:creationId xmlns:p14="http://schemas.microsoft.com/office/powerpoint/2010/main" val="3871070821"/>
+      </p:ext>
+    </p:extLst>
+  </p:cSld>
+  <p:clrMapOvr>
+    <a:masterClrMapping/>
+  </p:clrMapOvr>
+</p:sld>
+</file>
+
+<file path=ppt/slides/slide3.xml><?xml version="1.0" encoding="utf-8"?>
+<p:sld xmlns:a="http://schemas.openxmlformats.org/drawingml/2006/main" xmlns:r="http://schemas.openxmlformats.org/officeDocument/2006/relationships" xmlns:p="http://schemas.openxmlformats.org/presentationml/2006/main">
+  <p:cSld>
+    <p:spTree>
+      <p:nvGrpSpPr>
+        <p:cNvPr id="1" name=""/>
+        <p:cNvGrpSpPr/>
+        <p:nvPr/>
+      </p:nvGrpSpPr>
+      <p:grpSpPr>
+        <a:xfrm>
+          <a:off x="0" y="0"/>
+          <a:ext cx="0" cy="0"/>
+          <a:chOff x="0" y="0"/>
+          <a:chExt cx="0" cy="0"/>
+        </a:xfrm>
+      </p:grpSpPr>
+      <p:pic>
+        <p:nvPicPr>
+          <p:cNvPr id="5" name="Imagen 4">
+            <a:extLst>
+              <a:ext uri="{FF2B5EF4-FFF2-40B4-BE49-F238E27FC236}">
+                <a16:creationId xmlns:a16="http://schemas.microsoft.com/office/drawing/2014/main" id="{D7BC4FA9-0663-B1EE-F441-19B9995ADF34}"/>
+              </a:ext>
+            </a:extLst>
+          </p:cNvPr>
+          <p:cNvPicPr>
+            <a:picLocks noChangeAspect="1"/>
+          </p:cNvPicPr>
+          <p:nvPr/>
+        </p:nvPicPr>
+        <p:blipFill>
+          <a:blip r:embed="rId2"/>
+          <a:stretch>
+            <a:fillRect/>
+          </a:stretch>
+        </p:blipFill>
+        <p:spPr>
+          <a:xfrm>
+            <a:off x="1276957" y="919150"/>
+            <a:ext cx="4201111" cy="3858163"/>
+          </a:xfrm>
+          <a:prstGeom prst="rect">
+            <a:avLst/>
+          </a:prstGeom>
+        </p:spPr>
+      </p:pic>
+      <p:pic>
+        <p:nvPicPr>
+          <p:cNvPr id="7" name="Imagen 6">
+            <a:extLst>
+              <a:ext uri="{FF2B5EF4-FFF2-40B4-BE49-F238E27FC236}">
+                <a16:creationId xmlns:a16="http://schemas.microsoft.com/office/drawing/2014/main" id="{BD5D525B-4FC5-B67F-A4D8-31CE240AD698}"/>
+              </a:ext>
+            </a:extLst>
+          </p:cNvPr>
+          <p:cNvPicPr>
+            <a:picLocks noChangeAspect="1"/>
+          </p:cNvPicPr>
+          <p:nvPr/>
+        </p:nvPicPr>
+        <p:blipFill>
+          <a:blip r:embed="rId3"/>
+          <a:stretch>
+            <a:fillRect/>
+          </a:stretch>
+        </p:blipFill>
+        <p:spPr>
+          <a:xfrm>
+            <a:off x="3869066" y="635842"/>
+            <a:ext cx="7592485" cy="3905795"/>
+          </a:xfrm>
+          <a:prstGeom prst="rect">
+            <a:avLst/>
+          </a:prstGeom>
+        </p:spPr>
+      </p:pic>
+    </p:spTree>
+    <p:extLst>
+      <p:ext uri="{BB962C8B-B14F-4D97-AF65-F5344CB8AC3E}">
+        <p14:creationId xmlns:p14="http://schemas.microsoft.com/office/powerpoint/2010/main" val="4142027037"/>
+      </p:ext>
+    </p:extLst>
+  </p:cSld>
+  <p:clrMapOvr>
+    <a:masterClrMapping/>
+  </p:clrMapOvr>
+</p:sld>
+</file>
+
+<file path=ppt/slides/slide4.xml><?xml version="1.0" encoding="utf-8"?>
+<p:sld xmlns:a="http://schemas.openxmlformats.org/drawingml/2006/main" xmlns:r="http://schemas.openxmlformats.org/officeDocument/2006/relationships" xmlns:p="http://schemas.openxmlformats.org/presentationml/2006/main">
+  <p:cSld>
+    <p:spTree>
+      <p:nvGrpSpPr>
+        <p:cNvPr id="1" name=""/>
+        <p:cNvGrpSpPr/>
+        <p:nvPr/>
+      </p:nvGrpSpPr>
+      <p:grpSpPr>
+        <a:xfrm>
+          <a:off x="0" y="0"/>
+          <a:ext cx="0" cy="0"/>
+          <a:chOff x="0" y="0"/>
+          <a:chExt cx="0" cy="0"/>
+        </a:xfrm>
+      </p:grpSpPr>
+      <p:sp>
+        <p:nvSpPr>
+          <p:cNvPr id="9" name="CuadroTexto 8">
+            <a:extLst>
+              <a:ext uri="{FF2B5EF4-FFF2-40B4-BE49-F238E27FC236}">
+                <a16:creationId xmlns:a16="http://schemas.microsoft.com/office/drawing/2014/main" id="{46672427-5B05-3C37-B7C4-635130203CF8}"/>
+              </a:ext>
+            </a:extLst>
+          </p:cNvPr>
+          <p:cNvSpPr txBox="1"/>
+          <p:nvPr/>
+        </p:nvSpPr>
+        <p:spPr>
+          <a:xfrm>
+            <a:off x="137892" y="232873"/>
+            <a:ext cx="6098058" cy="6186309"/>
+          </a:xfrm>
+          <a:prstGeom prst="rect">
+            <a:avLst/>
+          </a:prstGeom>
+          <a:noFill/>
+        </p:spPr>
+        <p:txBody>
+          <a:bodyPr wrap="square">
+            <a:spAutoFit/>
+          </a:bodyPr>
+          <a:lstStyle/>
+          <a:p>
+            <a:r>
+              <a:rPr lang="es-MX" dirty="0"/>
+              <a:t>Paty:</a:t>
+            </a:r>
+          </a:p>
+          <a:p>
+            <a:endParaRPr lang="es-MX" dirty="0"/>
+          </a:p>
+          <a:p>
+            <a:r>
+              <a:rPr lang="es-MX" dirty="0"/>
+              <a:t>Ayer me enviaste un video, con el propósito de que lo viera Yolanda, te comento que solo te di las gracias, pero definitivamente no se lo hice llegar.</a:t>
+            </a:r>
+          </a:p>
+          <a:p>
+            <a:endParaRPr lang="es-MX" dirty="0"/>
+          </a:p>
+          <a:p>
+            <a:r>
+              <a:rPr lang="es-MX" dirty="0"/>
+              <a:t>Y hoy vuelve a enviar otro video para que lo vea Yolanda, que igualmente no se lo hare llegar, y te lo acabo de regresar.</a:t>
+            </a:r>
+          </a:p>
+          <a:p>
+            <a:endParaRPr lang="es-MX" dirty="0"/>
+          </a:p>
+          <a:p>
+            <a:r>
+              <a:rPr lang="es-MX" dirty="0"/>
+              <a:t>Preocúpate por ti misma, y no te preocupes por nosotros, cuando nosotros necesitamos ayuda acudimos a los expertos, médicos, psiquiatras, neurocirujanos, etc. No buscamos soluciones en videos o en informaciones de internet.</a:t>
+            </a:r>
+          </a:p>
+          <a:p>
+            <a:endParaRPr lang="es-MX" dirty="0"/>
+          </a:p>
+          <a:p>
+            <a:r>
+              <a:rPr lang="es-MX" dirty="0"/>
+              <a:t>Tu como gnóstica que te dices ser, sabes que todo empieza en el “Yo Soy” así que empieza a curarte a ti primeramente antes de que quieras cuidar a otros.</a:t>
+            </a:r>
+          </a:p>
+          <a:p>
+            <a:r>
+              <a:rPr lang="es-MX" dirty="0"/>
+              <a:t> </a:t>
+            </a:r>
+          </a:p>
+          <a:p>
+            <a:r>
+              <a:rPr lang="es-MX" dirty="0"/>
+              <a:t>En resumen, para los gnósticos, el "Yo Soy" no es una afirmación de superioridad, sino una invitación a la introspección y al descubrimiento de la chispa divina presente en cada individuo.</a:t>
+            </a:r>
+          </a:p>
+        </p:txBody>
+      </p:sp>
+      <p:sp>
+        <p:nvSpPr>
+          <p:cNvPr id="2" name="CuadroTexto 1">
+            <a:extLst>
+              <a:ext uri="{FF2B5EF4-FFF2-40B4-BE49-F238E27FC236}">
+                <a16:creationId xmlns:a16="http://schemas.microsoft.com/office/drawing/2014/main" id="{B17FE258-94CB-3FA9-07AE-54830F14E90F}"/>
+              </a:ext>
+            </a:extLst>
+          </p:cNvPr>
+          <p:cNvSpPr txBox="1"/>
+          <p:nvPr/>
+        </p:nvSpPr>
+        <p:spPr>
+          <a:xfrm>
+            <a:off x="6235950" y="438818"/>
+            <a:ext cx="6098058" cy="1754326"/>
+          </a:xfrm>
+          <a:prstGeom prst="rect">
+            <a:avLst/>
+          </a:prstGeom>
+          <a:noFill/>
+        </p:spPr>
+        <p:txBody>
+          <a:bodyPr wrap="square">
+            <a:spAutoFit/>
+          </a:bodyPr>
+          <a:lstStyle/>
+          <a:p>
+            <a:r>
+              <a:rPr lang="es-MX" dirty="0"/>
+              <a:t>A por cierto ayer fue cumpleaños de Yolanda, nos la pasamos muy bien.</a:t>
+            </a:r>
+          </a:p>
+          <a:p>
+            <a:endParaRPr lang="es-MX" dirty="0"/>
+          </a:p>
+          <a:p>
+            <a:r>
+              <a:rPr lang="es-MX" dirty="0"/>
+              <a:t>Agradecidos con Dios primeramente que le permitió llegar a otro año más y  que nos permita esta reunidos en familia compartiendo un plato de frijoles.</a:t>
+            </a:r>
+          </a:p>
+        </p:txBody>
+      </p:sp>
+    </p:spTree>
+    <p:extLst>
+      <p:ext uri="{BB962C8B-B14F-4D97-AF65-F5344CB8AC3E}">
+        <p14:creationId xmlns:p14="http://schemas.microsoft.com/office/powerpoint/2010/main" val="2441289921"/>
+      </p:ext>
+    </p:extLst>
+  </p:cSld>
+  <p:clrMapOvr>
+    <a:masterClrMapping/>
+  </p:clrMapOvr>
+</p:sld>
+</file>
+
+<file path=ppt/slides/slide5.xml><?xml version="1.0" encoding="utf-8"?>
+<p:sld xmlns:a="http://schemas.openxmlformats.org/drawingml/2006/main" xmlns:r="http://schemas.openxmlformats.org/officeDocument/2006/relationships" xmlns:p="http://schemas.openxmlformats.org/presentationml/2006/main">
+  <p:cSld>
+    <p:spTree>
+      <p:nvGrpSpPr>
+        <p:cNvPr id="1" name=""/>
+        <p:cNvGrpSpPr/>
+        <p:nvPr/>
+      </p:nvGrpSpPr>
+      <p:grpSpPr>
+        <a:xfrm>
+          <a:off x="0" y="0"/>
+          <a:ext cx="0" cy="0"/>
+          <a:chOff x="0" y="0"/>
+          <a:chExt cx="0" cy="0"/>
+        </a:xfrm>
+      </p:grpSpPr>
+      <p:pic>
+        <p:nvPicPr>
+          <p:cNvPr id="4" name="Imagen 3">
+            <a:extLst>
+              <a:ext uri="{FF2B5EF4-FFF2-40B4-BE49-F238E27FC236}">
+                <a16:creationId xmlns:a16="http://schemas.microsoft.com/office/drawing/2014/main" id="{E7BE5C2F-BF53-1DEC-B4DD-B1391CDA6607}"/>
+              </a:ext>
+            </a:extLst>
+          </p:cNvPr>
+          <p:cNvPicPr>
+            <a:picLocks noChangeAspect="1"/>
+          </p:cNvPicPr>
+          <p:nvPr/>
+        </p:nvPicPr>
+        <p:blipFill>
+          <a:blip r:embed="rId2"/>
+          <a:stretch>
+            <a:fillRect/>
+          </a:stretch>
+        </p:blipFill>
+        <p:spPr>
+          <a:xfrm>
+            <a:off x="2608563" y="1221388"/>
+            <a:ext cx="9124950" cy="5057775"/>
+          </a:xfrm>
+          <a:prstGeom prst="rect">
+            <a:avLst/>
+          </a:prstGeom>
+        </p:spPr>
+      </p:pic>
+      <p:pic>
+        <p:nvPicPr>
+          <p:cNvPr id="1028" name="Picture 4">
+            <a:extLst>
+              <a:ext uri="{FF2B5EF4-FFF2-40B4-BE49-F238E27FC236}">
+                <a16:creationId xmlns:a16="http://schemas.microsoft.com/office/drawing/2014/main" id="{0624F14B-3F13-3140-E8D2-98ABB0476A06}"/>
+              </a:ext>
+            </a:extLst>
+          </p:cNvPr>
+          <p:cNvPicPr>
+            <a:picLocks noChangeAspect="1" noChangeArrowheads="1"/>
+          </p:cNvPicPr>
+          <p:nvPr/>
+        </p:nvPicPr>
+        <p:blipFill>
+          <a:blip r:embed="rId3">
+            <a:extLst>
+              <a:ext uri="{28A0092B-C50C-407E-A947-70E740481C1C}">
+                <a14:useLocalDpi xmlns:a14="http://schemas.microsoft.com/office/drawing/2010/main" val="0"/>
+              </a:ext>
+            </a:extLst>
+          </a:blip>
+          <a:srcRect/>
+          <a:stretch>
+            <a:fillRect/>
+          </a:stretch>
+        </p:blipFill>
+        <p:spPr bwMode="auto">
+          <a:xfrm>
+            <a:off x="137892" y="1221388"/>
+            <a:ext cx="2571750" cy="5715000"/>
+          </a:xfrm>
+          <a:prstGeom prst="rect">
+            <a:avLst/>
+          </a:prstGeom>
+          <a:noFill/>
+          <a:extLst>
+            <a:ext uri="{909E8E84-426E-40DD-AFC4-6F175D3DCCD1}">
+              <a14:hiddenFill xmlns:a14="http://schemas.microsoft.com/office/drawing/2010/main">
+                <a:solidFill>
+                  <a:srgbClr val="FFFFFF"/>
+                </a:solidFill>
+              </a14:hiddenFill>
+            </a:ext>
+          </a:extLst>
+        </p:spPr>
+      </p:pic>
+    </p:spTree>
+    <p:extLst>
+      <p:ext uri="{BB962C8B-B14F-4D97-AF65-F5344CB8AC3E}">
+        <p14:creationId xmlns:p14="http://schemas.microsoft.com/office/powerpoint/2010/main" val="2832627748"/>
+      </p:ext>
+    </p:extLst>
+  </p:cSld>
+  <p:clrMapOvr>
+    <a:masterClrMapping/>
+  </p:clrMapOvr>
+</p:sld>
+</file>
+
 <file path=ppt/theme/theme1.xml><?xml version="1.0" encoding="utf-8"?>
 <a:theme xmlns:a="http://schemas.openxmlformats.org/drawingml/2006/main" name="Tema de Office">
   <a:themeElements>

--- a/VMA_IT_SUPPORT_INVTEK.pptx
+++ b/VMA_IT_SUPPORT_INVTEK.pptx
@@ -7,9 +7,11 @@
   <p:sldIdLst>
     <p:sldId id="256" r:id="rId2"/>
     <p:sldId id="257" r:id="rId3"/>
-    <p:sldId id="258" r:id="rId4"/>
-    <p:sldId id="259" r:id="rId5"/>
-    <p:sldId id="260" r:id="rId6"/>
+    <p:sldId id="261" r:id="rId4"/>
+    <p:sldId id="262" r:id="rId5"/>
+    <p:sldId id="258" r:id="rId6"/>
+    <p:sldId id="259" r:id="rId7"/>
+    <p:sldId id="260" r:id="rId8"/>
   </p:sldIdLst>
   <p:sldSz cx="12192000" cy="6858000"/>
   <p:notesSz cx="6858000" cy="9144000"/>
@@ -121,7 +123,7 @@
   <pc:docChgLst>
     <pc:chgData name="Vicente Cueva" userId="94933151-ec04-40a5-b8fc-e71eeddfb102" providerId="ADAL" clId="{8B408B54-8157-403B-85BC-4C3940DD0AB8}"/>
     <pc:docChg chg="undo custSel addSld modSld">
-      <pc:chgData name="Vicente Cueva" userId="94933151-ec04-40a5-b8fc-e71eeddfb102" providerId="ADAL" clId="{8B408B54-8157-403B-85BC-4C3940DD0AB8}" dt="2025-06-17T19:38:08.121" v="1314" actId="20577"/>
+      <pc:chgData name="Vicente Cueva" userId="94933151-ec04-40a5-b8fc-e71eeddfb102" providerId="ADAL" clId="{8B408B54-8157-403B-85BC-4C3940DD0AB8}" dt="2025-06-18T18:22:13.907" v="1489" actId="14100"/>
       <pc:docMkLst>
         <pc:docMk/>
       </pc:docMkLst>
@@ -177,22 +179,6 @@
           <pc:docMk/>
           <pc:sldMk cId="4142027037" sldId="258"/>
         </pc:sldMkLst>
-        <pc:spChg chg="add del mod">
-          <ac:chgData name="Vicente Cueva" userId="94933151-ec04-40a5-b8fc-e71eeddfb102" providerId="ADAL" clId="{8B408B54-8157-403B-85BC-4C3940DD0AB8}" dt="2025-06-17T18:45:27.726" v="41" actId="21"/>
-          <ac:spMkLst>
-            <pc:docMk/>
-            <pc:sldMk cId="4142027037" sldId="258"/>
-            <ac:spMk id="9" creationId="{46672427-5B05-3C37-B7C4-635130203CF8}"/>
-          </ac:spMkLst>
-        </pc:spChg>
-        <pc:picChg chg="add del mod">
-          <ac:chgData name="Vicente Cueva" userId="94933151-ec04-40a5-b8fc-e71eeddfb102" providerId="ADAL" clId="{8B408B54-8157-403B-85BC-4C3940DD0AB8}" dt="2025-06-17T18:39:26.583" v="31" actId="478"/>
-          <ac:picMkLst>
-            <pc:docMk/>
-            <pc:sldMk cId="4142027037" sldId="258"/>
-            <ac:picMk id="3" creationId="{E765319A-43D0-5464-C28E-B89F32202322}"/>
-          </ac:picMkLst>
-        </pc:picChg>
         <pc:picChg chg="add mod">
           <ac:chgData name="Vicente Cueva" userId="94933151-ec04-40a5-b8fc-e71eeddfb102" providerId="ADAL" clId="{8B408B54-8157-403B-85BC-4C3940DD0AB8}" dt="2025-06-17T18:39:30.958" v="33" actId="1076"/>
           <ac:picMkLst>
@@ -224,14 +210,6 @@
             <ac:spMk id="2" creationId="{B17FE258-94CB-3FA9-07AE-54830F14E90F}"/>
           </ac:spMkLst>
         </pc:spChg>
-        <pc:spChg chg="add">
-          <ac:chgData name="Vicente Cueva" userId="94933151-ec04-40a5-b8fc-e71eeddfb102" providerId="ADAL" clId="{8B408B54-8157-403B-85BC-4C3940DD0AB8}" dt="2025-06-17T19:31:53.104" v="1265"/>
-          <ac:spMkLst>
-            <pc:docMk/>
-            <pc:sldMk cId="2441289921" sldId="259"/>
-            <ac:spMk id="3" creationId="{2DC4A89F-8EC5-94B0-521D-E2704542EDDA}"/>
-          </ac:spMkLst>
-        </pc:spChg>
         <pc:spChg chg="add mod">
           <ac:chgData name="Vicente Cueva" userId="94933151-ec04-40a5-b8fc-e71eeddfb102" providerId="ADAL" clId="{8B408B54-8157-403B-85BC-4C3940DD0AB8}" dt="2025-06-17T19:38:08.121" v="1314" actId="20577"/>
           <ac:spMkLst>
@@ -240,22 +218,6 @@
             <ac:spMk id="9" creationId="{46672427-5B05-3C37-B7C4-635130203CF8}"/>
           </ac:spMkLst>
         </pc:spChg>
-        <pc:picChg chg="add del mod">
-          <ac:chgData name="Vicente Cueva" userId="94933151-ec04-40a5-b8fc-e71eeddfb102" providerId="ADAL" clId="{8B408B54-8157-403B-85BC-4C3940DD0AB8}" dt="2025-06-17T19:34:09.947" v="1272" actId="21"/>
-          <ac:picMkLst>
-            <pc:docMk/>
-            <pc:sldMk cId="2441289921" sldId="259"/>
-            <ac:picMk id="4" creationId="{E7BE5C2F-BF53-1DEC-B4DD-B1391CDA6607}"/>
-          </ac:picMkLst>
-        </pc:picChg>
-        <pc:picChg chg="add del mod">
-          <ac:chgData name="Vicente Cueva" userId="94933151-ec04-40a5-b8fc-e71eeddfb102" providerId="ADAL" clId="{8B408B54-8157-403B-85BC-4C3940DD0AB8}" dt="2025-06-17T19:34:09.947" v="1272" actId="21"/>
-          <ac:picMkLst>
-            <pc:docMk/>
-            <pc:sldMk cId="2441289921" sldId="259"/>
-            <ac:picMk id="1028" creationId="{0624F14B-3F13-3140-E8D2-98ABB0476A06}"/>
-          </ac:picMkLst>
-        </pc:picChg>
       </pc:sldChg>
       <pc:sldChg chg="addSp modSp new">
         <pc:chgData name="Vicente Cueva" userId="94933151-ec04-40a5-b8fc-e71eeddfb102" providerId="ADAL" clId="{8B408B54-8157-403B-85BC-4C3940DD0AB8}" dt="2025-06-17T19:34:12.650" v="1273"/>
@@ -280,6 +242,124 @@
           </ac:picMkLst>
         </pc:picChg>
       </pc:sldChg>
+      <pc:sldChg chg="addSp delSp modSp new mod">
+        <pc:chgData name="Vicente Cueva" userId="94933151-ec04-40a5-b8fc-e71eeddfb102" providerId="ADAL" clId="{8B408B54-8157-403B-85BC-4C3940DD0AB8}" dt="2025-06-18T16:46:46.832" v="1482" actId="732"/>
+        <pc:sldMkLst>
+          <pc:docMk/>
+          <pc:sldMk cId="846189705" sldId="261"/>
+        </pc:sldMkLst>
+        <pc:spChg chg="add mod">
+          <ac:chgData name="Vicente Cueva" userId="94933151-ec04-40a5-b8fc-e71eeddfb102" providerId="ADAL" clId="{8B408B54-8157-403B-85BC-4C3940DD0AB8}" dt="2025-06-18T16:44:31.588" v="1434" actId="14100"/>
+          <ac:spMkLst>
+            <pc:docMk/>
+            <pc:sldMk cId="846189705" sldId="261"/>
+            <ac:spMk id="8" creationId="{BEAFF9C5-4CF2-381E-B5C1-230515EBDC3A}"/>
+          </ac:spMkLst>
+        </pc:spChg>
+        <pc:spChg chg="add mod">
+          <ac:chgData name="Vicente Cueva" userId="94933151-ec04-40a5-b8fc-e71eeddfb102" providerId="ADAL" clId="{8B408B54-8157-403B-85BC-4C3940DD0AB8}" dt="2025-06-18T16:45:13.944" v="1462" actId="1037"/>
+          <ac:spMkLst>
+            <pc:docMk/>
+            <pc:sldMk cId="846189705" sldId="261"/>
+            <ac:spMk id="9" creationId="{D3601DA6-EC9C-F4A4-4504-9A71677774CF}"/>
+          </ac:spMkLst>
+        </pc:spChg>
+        <pc:spChg chg="add mod">
+          <ac:chgData name="Vicente Cueva" userId="94933151-ec04-40a5-b8fc-e71eeddfb102" providerId="ADAL" clId="{8B408B54-8157-403B-85BC-4C3940DD0AB8}" dt="2025-06-18T16:45:18.021" v="1468" actId="1037"/>
+          <ac:spMkLst>
+            <pc:docMk/>
+            <pc:sldMk cId="846189705" sldId="261"/>
+            <ac:spMk id="10" creationId="{B3D5DCF4-08A8-A1EC-DAEF-85FCB366B058}"/>
+          </ac:spMkLst>
+        </pc:spChg>
+        <pc:spChg chg="add mod">
+          <ac:chgData name="Vicente Cueva" userId="94933151-ec04-40a5-b8fc-e71eeddfb102" providerId="ADAL" clId="{8B408B54-8157-403B-85BC-4C3940DD0AB8}" dt="2025-06-18T16:45:22.100" v="1475" actId="1037"/>
+          <ac:spMkLst>
+            <pc:docMk/>
+            <pc:sldMk cId="846189705" sldId="261"/>
+            <ac:spMk id="11" creationId="{680A6596-0702-E704-E94B-FA926195E9D1}"/>
+          </ac:spMkLst>
+        </pc:spChg>
+        <pc:spChg chg="add mod">
+          <ac:chgData name="Vicente Cueva" userId="94933151-ec04-40a5-b8fc-e71eeddfb102" providerId="ADAL" clId="{8B408B54-8157-403B-85BC-4C3940DD0AB8}" dt="2025-06-18T16:45:03.431" v="1458" actId="14100"/>
+          <ac:spMkLst>
+            <pc:docMk/>
+            <pc:sldMk cId="846189705" sldId="261"/>
+            <ac:spMk id="12" creationId="{7154A477-3A35-DA95-33BA-608D83F9D48B}"/>
+          </ac:spMkLst>
+        </pc:spChg>
+        <pc:picChg chg="add mod modCrop">
+          <ac:chgData name="Vicente Cueva" userId="94933151-ec04-40a5-b8fc-e71eeddfb102" providerId="ADAL" clId="{8B408B54-8157-403B-85BC-4C3940DD0AB8}" dt="2025-06-18T16:46:46.832" v="1482" actId="732"/>
+          <ac:picMkLst>
+            <pc:docMk/>
+            <pc:sldMk cId="846189705" sldId="261"/>
+            <ac:picMk id="3" creationId="{BDAB4AC8-D96D-1FB4-C333-E20252D3EF61}"/>
+          </ac:picMkLst>
+        </pc:picChg>
+        <pc:picChg chg="add mod">
+          <ac:chgData name="Vicente Cueva" userId="94933151-ec04-40a5-b8fc-e71eeddfb102" providerId="ADAL" clId="{8B408B54-8157-403B-85BC-4C3940DD0AB8}" dt="2025-06-18T16:45:56.548" v="1477" actId="1076"/>
+          <ac:picMkLst>
+            <pc:docMk/>
+            <pc:sldMk cId="846189705" sldId="261"/>
+            <ac:picMk id="14" creationId="{946F2B6C-81A5-0EDD-6C0D-B9CFE8F4E281}"/>
+          </ac:picMkLst>
+        </pc:picChg>
+        <pc:picChg chg="add mod">
+          <ac:chgData name="Vicente Cueva" userId="94933151-ec04-40a5-b8fc-e71eeddfb102" providerId="ADAL" clId="{8B408B54-8157-403B-85BC-4C3940DD0AB8}" dt="2025-06-18T16:46:28.946" v="1480" actId="14100"/>
+          <ac:picMkLst>
+            <pc:docMk/>
+            <pc:sldMk cId="846189705" sldId="261"/>
+            <ac:picMk id="16" creationId="{C71026A3-7FA2-5789-49D8-D57B53E808F7}"/>
+          </ac:picMkLst>
+        </pc:picChg>
+      </pc:sldChg>
+      <pc:sldChg chg="addSp modSp new mod">
+        <pc:chgData name="Vicente Cueva" userId="94933151-ec04-40a5-b8fc-e71eeddfb102" providerId="ADAL" clId="{8B408B54-8157-403B-85BC-4C3940DD0AB8}" dt="2025-06-18T18:22:13.907" v="1489" actId="14100"/>
+        <pc:sldMkLst>
+          <pc:docMk/>
+          <pc:sldMk cId="2572696986" sldId="262"/>
+        </pc:sldMkLst>
+        <pc:picChg chg="add mod">
+          <ac:chgData name="Vicente Cueva" userId="94933151-ec04-40a5-b8fc-e71eeddfb102" providerId="ADAL" clId="{8B408B54-8157-403B-85BC-4C3940DD0AB8}" dt="2025-06-18T18:21:41.318" v="1486" actId="1076"/>
+          <ac:picMkLst>
+            <pc:docMk/>
+            <pc:sldMk cId="2572696986" sldId="262"/>
+            <ac:picMk id="2" creationId="{0FEF90DE-16F1-6860-F3ED-735EA2D65280}"/>
+          </ac:picMkLst>
+        </pc:picChg>
+        <pc:picChg chg="add mod">
+          <ac:chgData name="Vicente Cueva" userId="94933151-ec04-40a5-b8fc-e71eeddfb102" providerId="ADAL" clId="{8B408B54-8157-403B-85BC-4C3940DD0AB8}" dt="2025-06-18T18:22:13.907" v="1489" actId="14100"/>
+          <ac:picMkLst>
+            <pc:docMk/>
+            <pc:sldMk cId="2572696986" sldId="262"/>
+            <ac:picMk id="4" creationId="{050EE9B7-070B-48FF-AE08-8A2B0F1ABF80}"/>
+          </ac:picMkLst>
+        </pc:picChg>
+      </pc:sldChg>
+    </pc:docChg>
+  </pc:docChgLst>
+  <pc:docChgLst>
+    <pc:chgData name="Vicente Cueva" userId="94933151-ec04-40a5-b8fc-e71eeddfb102" providerId="ADAL" clId="{3CFB9FD2-FC19-4C4C-8FC8-31E262A472C4}"/>
+    <pc:docChg chg="modSld">
+      <pc:chgData name="Vicente Cueva" userId="94933151-ec04-40a5-b8fc-e71eeddfb102" providerId="ADAL" clId="{3CFB9FD2-FC19-4C4C-8FC8-31E262A472C4}" dt="2025-06-25T14:46:33.080" v="30" actId="20577"/>
+      <pc:docMkLst>
+        <pc:docMk/>
+      </pc:docMkLst>
+      <pc:sldChg chg="addSp modSp mod">
+        <pc:chgData name="Vicente Cueva" userId="94933151-ec04-40a5-b8fc-e71eeddfb102" providerId="ADAL" clId="{3CFB9FD2-FC19-4C4C-8FC8-31E262A472C4}" dt="2025-06-25T14:46:33.080" v="30" actId="20577"/>
+        <pc:sldMkLst>
+          <pc:docMk/>
+          <pc:sldMk cId="2572696986" sldId="262"/>
+        </pc:sldMkLst>
+        <pc:spChg chg="add mod">
+          <ac:chgData name="Vicente Cueva" userId="94933151-ec04-40a5-b8fc-e71eeddfb102" providerId="ADAL" clId="{3CFB9FD2-FC19-4C4C-8FC8-31E262A472C4}" dt="2025-06-25T14:46:33.080" v="30" actId="20577"/>
+          <ac:spMkLst>
+            <pc:docMk/>
+            <pc:sldMk cId="2572696986" sldId="262"/>
+            <ac:spMk id="3" creationId="{C3835C18-BA63-83DC-CE1F-9DC384D97D43}"/>
+          </ac:spMkLst>
+        </pc:spChg>
+      </pc:sldChg>
     </pc:docChg>
   </pc:docChgLst>
 </pc:chgInfo>
@@ -434,7 +514,7 @@
           <a:p>
             <a:fld id="{57D038EB-2655-46A3-BD28-D663801144BF}" type="datetimeFigureOut">
               <a:rPr lang="es-MX" smtClean="0"/>
-              <a:t>17/06/2025</a:t>
+              <a:t>25/06/2025</a:t>
             </a:fld>
             <a:endParaRPr lang="es-MX"/>
           </a:p>
@@ -634,7 +714,7 @@
           <a:p>
             <a:fld id="{57D038EB-2655-46A3-BD28-D663801144BF}" type="datetimeFigureOut">
               <a:rPr lang="es-MX" smtClean="0"/>
-              <a:t>17/06/2025</a:t>
+              <a:t>25/06/2025</a:t>
             </a:fld>
             <a:endParaRPr lang="es-MX"/>
           </a:p>
@@ -844,7 +924,7 @@
           <a:p>
             <a:fld id="{57D038EB-2655-46A3-BD28-D663801144BF}" type="datetimeFigureOut">
               <a:rPr lang="es-MX" smtClean="0"/>
-              <a:t>17/06/2025</a:t>
+              <a:t>25/06/2025</a:t>
             </a:fld>
             <a:endParaRPr lang="es-MX"/>
           </a:p>
@@ -1044,7 +1124,7 @@
           <a:p>
             <a:fld id="{57D038EB-2655-46A3-BD28-D663801144BF}" type="datetimeFigureOut">
               <a:rPr lang="es-MX" smtClean="0"/>
-              <a:t>17/06/2025</a:t>
+              <a:t>25/06/2025</a:t>
             </a:fld>
             <a:endParaRPr lang="es-MX"/>
           </a:p>
@@ -1320,7 +1400,7 @@
           <a:p>
             <a:fld id="{57D038EB-2655-46A3-BD28-D663801144BF}" type="datetimeFigureOut">
               <a:rPr lang="es-MX" smtClean="0"/>
-              <a:t>17/06/2025</a:t>
+              <a:t>25/06/2025</a:t>
             </a:fld>
             <a:endParaRPr lang="es-MX"/>
           </a:p>
@@ -1588,7 +1668,7 @@
           <a:p>
             <a:fld id="{57D038EB-2655-46A3-BD28-D663801144BF}" type="datetimeFigureOut">
               <a:rPr lang="es-MX" smtClean="0"/>
-              <a:t>17/06/2025</a:t>
+              <a:t>25/06/2025</a:t>
             </a:fld>
             <a:endParaRPr lang="es-MX"/>
           </a:p>
@@ -2003,7 +2083,7 @@
           <a:p>
             <a:fld id="{57D038EB-2655-46A3-BD28-D663801144BF}" type="datetimeFigureOut">
               <a:rPr lang="es-MX" smtClean="0"/>
-              <a:t>17/06/2025</a:t>
+              <a:t>25/06/2025</a:t>
             </a:fld>
             <a:endParaRPr lang="es-MX"/>
           </a:p>
@@ -2145,7 +2225,7 @@
           <a:p>
             <a:fld id="{57D038EB-2655-46A3-BD28-D663801144BF}" type="datetimeFigureOut">
               <a:rPr lang="es-MX" smtClean="0"/>
-              <a:t>17/06/2025</a:t>
+              <a:t>25/06/2025</a:t>
             </a:fld>
             <a:endParaRPr lang="es-MX"/>
           </a:p>
@@ -2258,7 +2338,7 @@
           <a:p>
             <a:fld id="{57D038EB-2655-46A3-BD28-D663801144BF}" type="datetimeFigureOut">
               <a:rPr lang="es-MX" smtClean="0"/>
-              <a:t>17/06/2025</a:t>
+              <a:t>25/06/2025</a:t>
             </a:fld>
             <a:endParaRPr lang="es-MX"/>
           </a:p>
@@ -2571,7 +2651,7 @@
           <a:p>
             <a:fld id="{57D038EB-2655-46A3-BD28-D663801144BF}" type="datetimeFigureOut">
               <a:rPr lang="es-MX" smtClean="0"/>
-              <a:t>17/06/2025</a:t>
+              <a:t>25/06/2025</a:t>
             </a:fld>
             <a:endParaRPr lang="es-MX"/>
           </a:p>
@@ -2860,7 +2940,7 @@
           <a:p>
             <a:fld id="{57D038EB-2655-46A3-BD28-D663801144BF}" type="datetimeFigureOut">
               <a:rPr lang="es-MX" smtClean="0"/>
-              <a:t>17/06/2025</a:t>
+              <a:t>25/06/2025</a:t>
             </a:fld>
             <a:endParaRPr lang="es-MX"/>
           </a:p>
@@ -3103,7 +3183,7 @@
           <a:p>
             <a:fld id="{57D038EB-2655-46A3-BD28-D663801144BF}" type="datetimeFigureOut">
               <a:rPr lang="es-MX" smtClean="0"/>
-              <a:t>17/06/2025</a:t>
+              <a:t>25/06/2025</a:t>
             </a:fld>
             <a:endParaRPr lang="es-MX"/>
           </a:p>
@@ -3945,6 +4025,545 @@
       </p:grpSpPr>
       <p:pic>
         <p:nvPicPr>
+          <p:cNvPr id="3" name="Imagen 2">
+            <a:extLst>
+              <a:ext uri="{FF2B5EF4-FFF2-40B4-BE49-F238E27FC236}">
+                <a16:creationId xmlns:a16="http://schemas.microsoft.com/office/drawing/2014/main" id="{BDAB4AC8-D96D-1FB4-C333-E20252D3EF61}"/>
+              </a:ext>
+            </a:extLst>
+          </p:cNvPr>
+          <p:cNvPicPr>
+            <a:picLocks noChangeAspect="1"/>
+          </p:cNvPicPr>
+          <p:nvPr/>
+        </p:nvPicPr>
+        <p:blipFill>
+          <a:blip r:embed="rId2"/>
+          <a:srcRect b="23395"/>
+          <a:stretch>
+            <a:fillRect/>
+          </a:stretch>
+        </p:blipFill>
+        <p:spPr>
+          <a:xfrm>
+            <a:off x="2063577" y="398811"/>
+            <a:ext cx="7549979" cy="4346184"/>
+          </a:xfrm>
+          <a:prstGeom prst="rect">
+            <a:avLst/>
+          </a:prstGeom>
+        </p:spPr>
+      </p:pic>
+      <p:sp>
+        <p:nvSpPr>
+          <p:cNvPr id="8" name="Rectángulo: esquinas redondeadas 7">
+            <a:extLst>
+              <a:ext uri="{FF2B5EF4-FFF2-40B4-BE49-F238E27FC236}">
+                <a16:creationId xmlns:a16="http://schemas.microsoft.com/office/drawing/2014/main" id="{BEAFF9C5-4CF2-381E-B5C1-230515EBDC3A}"/>
+              </a:ext>
+            </a:extLst>
+          </p:cNvPr>
+          <p:cNvSpPr/>
+          <p:nvPr/>
+        </p:nvSpPr>
+        <p:spPr>
+          <a:xfrm>
+            <a:off x="2248932" y="1191115"/>
+            <a:ext cx="2075934" cy="439975"/>
+          </a:xfrm>
+          <a:prstGeom prst="roundRect">
+            <a:avLst/>
+          </a:prstGeom>
+          <a:solidFill>
+            <a:schemeClr val="accent6"/>
+          </a:solidFill>
+          <a:ln>
+            <a:solidFill>
+              <a:schemeClr val="accent6"/>
+            </a:solidFill>
+          </a:ln>
+        </p:spPr>
+        <p:style>
+          <a:lnRef idx="2">
+            <a:schemeClr val="accent1">
+              <a:shade val="15000"/>
+            </a:schemeClr>
+          </a:lnRef>
+          <a:fillRef idx="1">
+            <a:schemeClr val="accent1"/>
+          </a:fillRef>
+          <a:effectRef idx="0">
+            <a:schemeClr val="accent1"/>
+          </a:effectRef>
+          <a:fontRef idx="minor">
+            <a:schemeClr val="lt1"/>
+          </a:fontRef>
+        </p:style>
+        <p:txBody>
+          <a:bodyPr rtlCol="0" anchor="ctr"/>
+          <a:lstStyle/>
+          <a:p>
+            <a:pPr algn="ctr"/>
+            <a:r>
+              <a:rPr lang="es-MX" dirty="0"/>
+              <a:t>Cortina + Cortinero</a:t>
+            </a:r>
+          </a:p>
+        </p:txBody>
+      </p:sp>
+      <p:sp>
+        <p:nvSpPr>
+          <p:cNvPr id="9" name="Rectángulo: esquinas redondeadas 8">
+            <a:extLst>
+              <a:ext uri="{FF2B5EF4-FFF2-40B4-BE49-F238E27FC236}">
+                <a16:creationId xmlns:a16="http://schemas.microsoft.com/office/drawing/2014/main" id="{D3601DA6-EC9C-F4A4-4504-9A71677774CF}"/>
+              </a:ext>
+            </a:extLst>
+          </p:cNvPr>
+          <p:cNvSpPr/>
+          <p:nvPr/>
+        </p:nvSpPr>
+        <p:spPr>
+          <a:xfrm>
+            <a:off x="4386648" y="1191115"/>
+            <a:ext cx="1235675" cy="439975"/>
+          </a:xfrm>
+          <a:prstGeom prst="roundRect">
+            <a:avLst/>
+          </a:prstGeom>
+          <a:ln>
+            <a:noFill/>
+          </a:ln>
+        </p:spPr>
+        <p:style>
+          <a:lnRef idx="2">
+            <a:schemeClr val="accent6"/>
+          </a:lnRef>
+          <a:fillRef idx="1">
+            <a:schemeClr val="lt1"/>
+          </a:fillRef>
+          <a:effectRef idx="0">
+            <a:schemeClr val="accent6"/>
+          </a:effectRef>
+          <a:fontRef idx="minor">
+            <a:schemeClr val="dk1"/>
+          </a:fontRef>
+        </p:style>
+        <p:txBody>
+          <a:bodyPr rtlCol="0" anchor="ctr"/>
+          <a:lstStyle/>
+          <a:p>
+            <a:pPr algn="ctr"/>
+            <a:r>
+              <a:rPr lang="es-MX" dirty="0"/>
+              <a:t>Cortinas</a:t>
+            </a:r>
+          </a:p>
+        </p:txBody>
+      </p:sp>
+      <p:sp>
+        <p:nvSpPr>
+          <p:cNvPr id="10" name="Rectángulo: esquinas redondeadas 9">
+            <a:extLst>
+              <a:ext uri="{FF2B5EF4-FFF2-40B4-BE49-F238E27FC236}">
+                <a16:creationId xmlns:a16="http://schemas.microsoft.com/office/drawing/2014/main" id="{B3D5DCF4-08A8-A1EC-DAEF-85FCB366B058}"/>
+              </a:ext>
+            </a:extLst>
+          </p:cNvPr>
+          <p:cNvSpPr/>
+          <p:nvPr/>
+        </p:nvSpPr>
+        <p:spPr>
+          <a:xfrm>
+            <a:off x="5572895" y="1191115"/>
+            <a:ext cx="1235675" cy="439975"/>
+          </a:xfrm>
+          <a:prstGeom prst="roundRect">
+            <a:avLst/>
+          </a:prstGeom>
+          <a:ln>
+            <a:noFill/>
+          </a:ln>
+        </p:spPr>
+        <p:style>
+          <a:lnRef idx="2">
+            <a:schemeClr val="accent6"/>
+          </a:lnRef>
+          <a:fillRef idx="1">
+            <a:schemeClr val="lt1"/>
+          </a:fillRef>
+          <a:effectRef idx="0">
+            <a:schemeClr val="accent6"/>
+          </a:effectRef>
+          <a:fontRef idx="minor">
+            <a:schemeClr val="dk1"/>
+          </a:fontRef>
+        </p:style>
+        <p:txBody>
+          <a:bodyPr rtlCol="0" anchor="ctr"/>
+          <a:lstStyle/>
+          <a:p>
+            <a:pPr algn="ctr"/>
+            <a:r>
+              <a:rPr lang="es-MX" dirty="0"/>
+              <a:t>Cortineros</a:t>
+            </a:r>
+          </a:p>
+        </p:txBody>
+      </p:sp>
+      <p:sp>
+        <p:nvSpPr>
+          <p:cNvPr id="11" name="Rectángulo: esquinas redondeadas 10">
+            <a:extLst>
+              <a:ext uri="{FF2B5EF4-FFF2-40B4-BE49-F238E27FC236}">
+                <a16:creationId xmlns:a16="http://schemas.microsoft.com/office/drawing/2014/main" id="{680A6596-0702-E704-E94B-FA926195E9D1}"/>
+              </a:ext>
+            </a:extLst>
+          </p:cNvPr>
+          <p:cNvSpPr/>
+          <p:nvPr/>
+        </p:nvSpPr>
+        <p:spPr>
+          <a:xfrm>
+            <a:off x="6783856" y="1191115"/>
+            <a:ext cx="1235675" cy="439975"/>
+          </a:xfrm>
+          <a:prstGeom prst="roundRect">
+            <a:avLst/>
+          </a:prstGeom>
+          <a:ln>
+            <a:noFill/>
+          </a:ln>
+        </p:spPr>
+        <p:style>
+          <a:lnRef idx="2">
+            <a:schemeClr val="accent6"/>
+          </a:lnRef>
+          <a:fillRef idx="1">
+            <a:schemeClr val="lt1"/>
+          </a:fillRef>
+          <a:effectRef idx="0">
+            <a:schemeClr val="accent6"/>
+          </a:effectRef>
+          <a:fontRef idx="minor">
+            <a:schemeClr val="dk1"/>
+          </a:fontRef>
+        </p:style>
+        <p:txBody>
+          <a:bodyPr rtlCol="0" anchor="ctr"/>
+          <a:lstStyle/>
+          <a:p>
+            <a:pPr algn="ctr"/>
+            <a:r>
+              <a:rPr lang="es-MX" dirty="0"/>
+              <a:t>Accesorios</a:t>
+            </a:r>
+          </a:p>
+        </p:txBody>
+      </p:sp>
+      <p:sp>
+        <p:nvSpPr>
+          <p:cNvPr id="12" name="Rectángulo: esquinas redondeadas 11">
+            <a:extLst>
+              <a:ext uri="{FF2B5EF4-FFF2-40B4-BE49-F238E27FC236}">
+                <a16:creationId xmlns:a16="http://schemas.microsoft.com/office/drawing/2014/main" id="{7154A477-3A35-DA95-33BA-608D83F9D48B}"/>
+              </a:ext>
+            </a:extLst>
+          </p:cNvPr>
+          <p:cNvSpPr/>
+          <p:nvPr/>
+        </p:nvSpPr>
+        <p:spPr>
+          <a:xfrm>
+            <a:off x="7982465" y="1191116"/>
+            <a:ext cx="1631091" cy="439975"/>
+          </a:xfrm>
+          <a:prstGeom prst="roundRect">
+            <a:avLst/>
+          </a:prstGeom>
+          <a:ln>
+            <a:noFill/>
+          </a:ln>
+        </p:spPr>
+        <p:style>
+          <a:lnRef idx="2">
+            <a:schemeClr val="accent6"/>
+          </a:lnRef>
+          <a:fillRef idx="1">
+            <a:schemeClr val="lt1"/>
+          </a:fillRef>
+          <a:effectRef idx="0">
+            <a:schemeClr val="accent6"/>
+          </a:effectRef>
+          <a:fontRef idx="minor">
+            <a:schemeClr val="dk1"/>
+          </a:fontRef>
+        </p:style>
+        <p:txBody>
+          <a:bodyPr rtlCol="0" anchor="ctr"/>
+          <a:lstStyle/>
+          <a:p>
+            <a:pPr algn="ctr"/>
+            <a:r>
+              <a:rPr lang="es-MX" dirty="0"/>
+              <a:t>Cortinas Roller</a:t>
+            </a:r>
+          </a:p>
+        </p:txBody>
+      </p:sp>
+      <p:pic>
+        <p:nvPicPr>
+          <p:cNvPr id="14" name="Imagen 13">
+            <a:extLst>
+              <a:ext uri="{FF2B5EF4-FFF2-40B4-BE49-F238E27FC236}">
+                <a16:creationId xmlns:a16="http://schemas.microsoft.com/office/drawing/2014/main" id="{946F2B6C-81A5-0EDD-6C0D-B9CFE8F4E281}"/>
+              </a:ext>
+            </a:extLst>
+          </p:cNvPr>
+          <p:cNvPicPr>
+            <a:picLocks noChangeAspect="1"/>
+          </p:cNvPicPr>
+          <p:nvPr/>
+        </p:nvPicPr>
+        <p:blipFill>
+          <a:blip r:embed="rId3"/>
+          <a:stretch>
+            <a:fillRect/>
+          </a:stretch>
+        </p:blipFill>
+        <p:spPr>
+          <a:xfrm>
+            <a:off x="8308449" y="1631090"/>
+            <a:ext cx="1305107" cy="200053"/>
+          </a:xfrm>
+          <a:prstGeom prst="rect">
+            <a:avLst/>
+          </a:prstGeom>
+        </p:spPr>
+      </p:pic>
+      <p:pic>
+        <p:nvPicPr>
+          <p:cNvPr id="16" name="Imagen 15">
+            <a:extLst>
+              <a:ext uri="{FF2B5EF4-FFF2-40B4-BE49-F238E27FC236}">
+                <a16:creationId xmlns:a16="http://schemas.microsoft.com/office/drawing/2014/main" id="{C71026A3-7FA2-5789-49D8-D57B53E808F7}"/>
+              </a:ext>
+            </a:extLst>
+          </p:cNvPr>
+          <p:cNvPicPr>
+            <a:picLocks noChangeAspect="1"/>
+          </p:cNvPicPr>
+          <p:nvPr/>
+        </p:nvPicPr>
+        <p:blipFill>
+          <a:blip r:embed="rId4"/>
+          <a:stretch>
+            <a:fillRect/>
+          </a:stretch>
+        </p:blipFill>
+        <p:spPr>
+          <a:xfrm>
+            <a:off x="2301936" y="3113398"/>
+            <a:ext cx="7345218" cy="1913460"/>
+          </a:xfrm>
+          <a:prstGeom prst="rect">
+            <a:avLst/>
+          </a:prstGeom>
+        </p:spPr>
+      </p:pic>
+    </p:spTree>
+    <p:extLst>
+      <p:ext uri="{BB962C8B-B14F-4D97-AF65-F5344CB8AC3E}">
+        <p14:creationId xmlns:p14="http://schemas.microsoft.com/office/powerpoint/2010/main" val="846189705"/>
+      </p:ext>
+    </p:extLst>
+  </p:cSld>
+  <p:clrMapOvr>
+    <a:masterClrMapping/>
+  </p:clrMapOvr>
+</p:sld>
+</file>
+
+<file path=ppt/slides/slide4.xml><?xml version="1.0" encoding="utf-8"?>
+<p:sld xmlns:a="http://schemas.openxmlformats.org/drawingml/2006/main" xmlns:r="http://schemas.openxmlformats.org/officeDocument/2006/relationships" xmlns:p="http://schemas.openxmlformats.org/presentationml/2006/main">
+  <p:cSld>
+    <p:spTree>
+      <p:nvGrpSpPr>
+        <p:cNvPr id="1" name=""/>
+        <p:cNvGrpSpPr/>
+        <p:nvPr/>
+      </p:nvGrpSpPr>
+      <p:grpSpPr>
+        <a:xfrm>
+          <a:off x="0" y="0"/>
+          <a:ext cx="0" cy="0"/>
+          <a:chOff x="0" y="0"/>
+          <a:chExt cx="0" cy="0"/>
+        </a:xfrm>
+      </p:grpSpPr>
+      <p:pic>
+        <p:nvPicPr>
+          <p:cNvPr id="2" name="Imagen 1">
+            <a:extLst>
+              <a:ext uri="{FF2B5EF4-FFF2-40B4-BE49-F238E27FC236}">
+                <a16:creationId xmlns:a16="http://schemas.microsoft.com/office/drawing/2014/main" id="{0FEF90DE-16F1-6860-F3ED-735EA2D65280}"/>
+              </a:ext>
+            </a:extLst>
+          </p:cNvPr>
+          <p:cNvPicPr>
+            <a:picLocks noChangeAspect="1"/>
+          </p:cNvPicPr>
+          <p:nvPr/>
+        </p:nvPicPr>
+        <p:blipFill>
+          <a:blip r:embed="rId2">
+            <a:extLst>
+              <a:ext uri="{28A0092B-C50C-407E-A947-70E740481C1C}">
+                <a14:useLocalDpi xmlns:a14="http://schemas.microsoft.com/office/drawing/2010/main" val="0"/>
+              </a:ext>
+            </a:extLst>
+          </a:blip>
+          <a:stretch>
+            <a:fillRect/>
+          </a:stretch>
+        </p:blipFill>
+        <p:spPr>
+          <a:xfrm>
+            <a:off x="2361330" y="1371599"/>
+            <a:ext cx="7011527" cy="1138624"/>
+          </a:xfrm>
+          <a:prstGeom prst="rect">
+            <a:avLst/>
+          </a:prstGeom>
+        </p:spPr>
+      </p:pic>
+      <p:pic>
+        <p:nvPicPr>
+          <p:cNvPr id="4" name="Imagen 3">
+            <a:extLst>
+              <a:ext uri="{FF2B5EF4-FFF2-40B4-BE49-F238E27FC236}">
+                <a16:creationId xmlns:a16="http://schemas.microsoft.com/office/drawing/2014/main" id="{050EE9B7-070B-48FF-AE08-8A2B0F1ABF80}"/>
+              </a:ext>
+            </a:extLst>
+          </p:cNvPr>
+          <p:cNvPicPr>
+            <a:picLocks noChangeAspect="1"/>
+          </p:cNvPicPr>
+          <p:nvPr/>
+        </p:nvPicPr>
+        <p:blipFill>
+          <a:blip r:embed="rId3"/>
+          <a:stretch>
+            <a:fillRect/>
+          </a:stretch>
+        </p:blipFill>
+        <p:spPr>
+          <a:xfrm>
+            <a:off x="2510527" y="1536423"/>
+            <a:ext cx="720290" cy="564226"/>
+          </a:xfrm>
+          <a:prstGeom prst="rect">
+            <a:avLst/>
+          </a:prstGeom>
+        </p:spPr>
+      </p:pic>
+      <p:sp>
+        <p:nvSpPr>
+          <p:cNvPr id="3" name="Rectángulo 2">
+            <a:extLst>
+              <a:ext uri="{FF2B5EF4-FFF2-40B4-BE49-F238E27FC236}">
+                <a16:creationId xmlns:a16="http://schemas.microsoft.com/office/drawing/2014/main" id="{C3835C18-BA63-83DC-CE1F-9DC384D97D43}"/>
+              </a:ext>
+            </a:extLst>
+          </p:cNvPr>
+          <p:cNvSpPr/>
+          <p:nvPr/>
+        </p:nvSpPr>
+        <p:spPr>
+          <a:xfrm>
+            <a:off x="2233534" y="3102964"/>
+            <a:ext cx="2998033" cy="944380"/>
+          </a:xfrm>
+          <a:prstGeom prst="rect">
+            <a:avLst/>
+          </a:prstGeom>
+        </p:spPr>
+        <p:style>
+          <a:lnRef idx="2">
+            <a:schemeClr val="accent1">
+              <a:shade val="15000"/>
+            </a:schemeClr>
+          </a:lnRef>
+          <a:fillRef idx="1">
+            <a:schemeClr val="accent1"/>
+          </a:fillRef>
+          <a:effectRef idx="0">
+            <a:schemeClr val="accent1"/>
+          </a:effectRef>
+          <a:fontRef idx="minor">
+            <a:schemeClr val="lt1"/>
+          </a:fontRef>
+        </p:style>
+        <p:txBody>
+          <a:bodyPr rtlCol="0" anchor="ctr"/>
+          <a:lstStyle/>
+          <a:p>
+            <a:pPr algn="ctr"/>
+            <a:r>
+              <a:rPr lang="es-MX" dirty="0"/>
+              <a:t>Logo tipo de </a:t>
+            </a:r>
+            <a:r>
+              <a:rPr lang="es-MX" dirty="0" err="1"/>
+              <a:t>efeand</a:t>
+            </a:r>
+            <a:r>
+              <a:rPr lang="es-MX" dirty="0"/>
+              <a:t> </a:t>
+            </a:r>
+            <a:r>
+              <a:rPr lang="es-MX" dirty="0" err="1"/>
+              <a:t>ey</a:t>
+            </a:r>
+            <a:r>
+              <a:rPr lang="es-MX" dirty="0"/>
+              <a:t> box</a:t>
+            </a:r>
+          </a:p>
+        </p:txBody>
+      </p:sp>
+    </p:spTree>
+    <p:extLst>
+      <p:ext uri="{BB962C8B-B14F-4D97-AF65-F5344CB8AC3E}">
+        <p14:creationId xmlns:p14="http://schemas.microsoft.com/office/powerpoint/2010/main" val="2572696986"/>
+      </p:ext>
+    </p:extLst>
+  </p:cSld>
+  <p:clrMapOvr>
+    <a:masterClrMapping/>
+  </p:clrMapOvr>
+</p:sld>
+</file>
+
+<file path=ppt/slides/slide5.xml><?xml version="1.0" encoding="utf-8"?>
+<p:sld xmlns:a="http://schemas.openxmlformats.org/drawingml/2006/main" xmlns:r="http://schemas.openxmlformats.org/officeDocument/2006/relationships" xmlns:p="http://schemas.openxmlformats.org/presentationml/2006/main">
+  <p:cSld>
+    <p:spTree>
+      <p:nvGrpSpPr>
+        <p:cNvPr id="1" name=""/>
+        <p:cNvGrpSpPr/>
+        <p:nvPr/>
+      </p:nvGrpSpPr>
+      <p:grpSpPr>
+        <a:xfrm>
+          <a:off x="0" y="0"/>
+          <a:ext cx="0" cy="0"/>
+          <a:chOff x="0" y="0"/>
+          <a:chExt cx="0" cy="0"/>
+        </a:xfrm>
+      </p:grpSpPr>
+      <p:pic>
+        <p:nvPicPr>
           <p:cNvPr id="5" name="Imagen 4">
             <a:extLst>
               <a:ext uri="{FF2B5EF4-FFF2-40B4-BE49-F238E27FC236}">
@@ -4016,7 +4635,7 @@
 </p:sld>
 </file>
 
-<file path=ppt/slides/slide4.xml><?xml version="1.0" encoding="utf-8"?>
+<file path=ppt/slides/slide6.xml><?xml version="1.0" encoding="utf-8"?>
 <p:sld xmlns:a="http://schemas.openxmlformats.org/drawingml/2006/main" xmlns:r="http://schemas.openxmlformats.org/officeDocument/2006/relationships" xmlns:p="http://schemas.openxmlformats.org/presentationml/2006/main">
   <p:cSld>
     <p:spTree>
@@ -4173,7 +4792,7 @@
 </p:sld>
 </file>
 
-<file path=ppt/slides/slide5.xml><?xml version="1.0" encoding="utf-8"?>
+<file path=ppt/slides/slide7.xml><?xml version="1.0" encoding="utf-8"?>
 <p:sld xmlns:a="http://schemas.openxmlformats.org/drawingml/2006/main" xmlns:r="http://schemas.openxmlformats.org/officeDocument/2006/relationships" xmlns:p="http://schemas.openxmlformats.org/presentationml/2006/main">
   <p:cSld>
     <p:spTree>
